--- a/core/doc/roundCone.pptx
+++ b/core/doc/roundCone.pptx
@@ -198,10 +198,9 @@
           </a:lstStyle>
           <a:p>
             <a:r>
-              <a:rPr lang="ja-JP" altLang="en-US" smtClean="0"/>
+              <a:rPr lang="ja-JP" altLang="en-US"/>
               <a:t>マスター タイトルの書式設定</a:t>
             </a:r>
-            <a:endParaRPr lang="ja-JP" altLang="en-US"/>
           </a:p>
         </p:txBody>
       </p:sp>
@@ -263,10 +262,9 @@
           </a:lstStyle>
           <a:p>
             <a:r>
-              <a:rPr lang="ja-JP" altLang="en-US" smtClean="0"/>
+              <a:rPr lang="ja-JP" altLang="en-US"/>
               <a:t>マスター サブタイトルの書式設定</a:t>
             </a:r>
-            <a:endParaRPr lang="ja-JP" altLang="en-US"/>
           </a:p>
         </p:txBody>
       </p:sp>
@@ -407,10 +405,9 @@
           <a:lstStyle/>
           <a:p>
             <a:r>
-              <a:rPr lang="ja-JP" altLang="en-US" smtClean="0"/>
+              <a:rPr lang="ja-JP" altLang="en-US"/>
               <a:t>マスター タイトルの書式設定</a:t>
             </a:r>
-            <a:endParaRPr lang="ja-JP" altLang="en-US"/>
           </a:p>
         </p:txBody>
       </p:sp>
@@ -431,70 +428,69 @@
           <a:p>
             <a:pPr lvl="0"/>
             <a:r>
-              <a:rPr lang="ja-JP" altLang="en-US" smtClean="0"/>
+              <a:rPr lang="ja-JP" altLang="en-US"/>
               <a:t>マスター テキストの書式設定</a:t>
             </a:r>
           </a:p>
           <a:p>
             <a:pPr lvl="1"/>
             <a:r>
-              <a:rPr lang="ja-JP" altLang="en-US" smtClean="0"/>
+              <a:rPr lang="ja-JP" altLang="en-US"/>
               <a:t>第 </a:t>
             </a:r>
             <a:r>
-              <a:rPr lang="en-US" altLang="ja-JP" smtClean="0"/>
+              <a:rPr lang="en-US" altLang="ja-JP"/>
               <a:t>2 </a:t>
             </a:r>
             <a:r>
-              <a:rPr lang="ja-JP" altLang="en-US" smtClean="0"/>
+              <a:rPr lang="ja-JP" altLang="en-US"/>
               <a:t>レベル</a:t>
             </a:r>
           </a:p>
           <a:p>
             <a:pPr lvl="2"/>
             <a:r>
-              <a:rPr lang="ja-JP" altLang="en-US" smtClean="0"/>
+              <a:rPr lang="ja-JP" altLang="en-US"/>
               <a:t>第 </a:t>
             </a:r>
             <a:r>
-              <a:rPr lang="en-US" altLang="ja-JP" smtClean="0"/>
+              <a:rPr lang="en-US" altLang="ja-JP"/>
               <a:t>3 </a:t>
             </a:r>
             <a:r>
-              <a:rPr lang="ja-JP" altLang="en-US" smtClean="0"/>
+              <a:rPr lang="ja-JP" altLang="en-US"/>
               <a:t>レベル</a:t>
             </a:r>
           </a:p>
           <a:p>
             <a:pPr lvl="3"/>
             <a:r>
-              <a:rPr lang="ja-JP" altLang="en-US" smtClean="0"/>
+              <a:rPr lang="ja-JP" altLang="en-US"/>
               <a:t>第 </a:t>
             </a:r>
             <a:r>
-              <a:rPr lang="en-US" altLang="ja-JP" smtClean="0"/>
+              <a:rPr lang="en-US" altLang="ja-JP"/>
               <a:t>4 </a:t>
             </a:r>
             <a:r>
-              <a:rPr lang="ja-JP" altLang="en-US" smtClean="0"/>
+              <a:rPr lang="ja-JP" altLang="en-US"/>
               <a:t>レベル</a:t>
             </a:r>
           </a:p>
           <a:p>
             <a:pPr lvl="4"/>
             <a:r>
-              <a:rPr lang="ja-JP" altLang="en-US" smtClean="0"/>
+              <a:rPr lang="ja-JP" altLang="en-US"/>
               <a:t>第 </a:t>
             </a:r>
             <a:r>
-              <a:rPr lang="en-US" altLang="ja-JP" smtClean="0"/>
+              <a:rPr lang="en-US" altLang="ja-JP"/>
               <a:t>5 </a:t>
             </a:r>
             <a:r>
-              <a:rPr lang="ja-JP" altLang="en-US" smtClean="0"/>
+              <a:rPr lang="ja-JP" altLang="en-US"/>
               <a:t>レベル</a:t>
             </a:r>
-            <a:endParaRPr lang="ja-JP" altLang="en-US"/>
           </a:p>
         </p:txBody>
       </p:sp>
@@ -640,10 +636,9 @@
           <a:lstStyle/>
           <a:p>
             <a:r>
-              <a:rPr lang="ja-JP" altLang="en-US" smtClean="0"/>
+              <a:rPr lang="ja-JP" altLang="en-US"/>
               <a:t>マスター タイトルの書式設定</a:t>
             </a:r>
-            <a:endParaRPr lang="ja-JP" altLang="en-US"/>
           </a:p>
         </p:txBody>
       </p:sp>
@@ -669,70 +664,69 @@
           <a:p>
             <a:pPr lvl="0"/>
             <a:r>
-              <a:rPr lang="ja-JP" altLang="en-US" smtClean="0"/>
+              <a:rPr lang="ja-JP" altLang="en-US"/>
               <a:t>マスター テキストの書式設定</a:t>
             </a:r>
           </a:p>
           <a:p>
             <a:pPr lvl="1"/>
             <a:r>
-              <a:rPr lang="ja-JP" altLang="en-US" smtClean="0"/>
+              <a:rPr lang="ja-JP" altLang="en-US"/>
               <a:t>第 </a:t>
             </a:r>
             <a:r>
-              <a:rPr lang="en-US" altLang="ja-JP" smtClean="0"/>
+              <a:rPr lang="en-US" altLang="ja-JP"/>
               <a:t>2 </a:t>
             </a:r>
             <a:r>
-              <a:rPr lang="ja-JP" altLang="en-US" smtClean="0"/>
+              <a:rPr lang="ja-JP" altLang="en-US"/>
               <a:t>レベル</a:t>
             </a:r>
           </a:p>
           <a:p>
             <a:pPr lvl="2"/>
             <a:r>
-              <a:rPr lang="ja-JP" altLang="en-US" smtClean="0"/>
+              <a:rPr lang="ja-JP" altLang="en-US"/>
               <a:t>第 </a:t>
             </a:r>
             <a:r>
-              <a:rPr lang="en-US" altLang="ja-JP" smtClean="0"/>
+              <a:rPr lang="en-US" altLang="ja-JP"/>
               <a:t>3 </a:t>
             </a:r>
             <a:r>
-              <a:rPr lang="ja-JP" altLang="en-US" smtClean="0"/>
+              <a:rPr lang="ja-JP" altLang="en-US"/>
               <a:t>レベル</a:t>
             </a:r>
           </a:p>
           <a:p>
             <a:pPr lvl="3"/>
             <a:r>
-              <a:rPr lang="ja-JP" altLang="en-US" smtClean="0"/>
+              <a:rPr lang="ja-JP" altLang="en-US"/>
               <a:t>第 </a:t>
             </a:r>
             <a:r>
-              <a:rPr lang="en-US" altLang="ja-JP" smtClean="0"/>
+              <a:rPr lang="en-US" altLang="ja-JP"/>
               <a:t>4 </a:t>
             </a:r>
             <a:r>
-              <a:rPr lang="ja-JP" altLang="en-US" smtClean="0"/>
+              <a:rPr lang="ja-JP" altLang="en-US"/>
               <a:t>レベル</a:t>
             </a:r>
           </a:p>
           <a:p>
             <a:pPr lvl="4"/>
             <a:r>
-              <a:rPr lang="ja-JP" altLang="en-US" smtClean="0"/>
+              <a:rPr lang="ja-JP" altLang="en-US"/>
               <a:t>第 </a:t>
             </a:r>
             <a:r>
-              <a:rPr lang="en-US" altLang="ja-JP" smtClean="0"/>
+              <a:rPr lang="en-US" altLang="ja-JP"/>
               <a:t>5 </a:t>
             </a:r>
             <a:r>
-              <a:rPr lang="ja-JP" altLang="en-US" smtClean="0"/>
+              <a:rPr lang="ja-JP" altLang="en-US"/>
               <a:t>レベル</a:t>
             </a:r>
-            <a:endParaRPr lang="ja-JP" altLang="en-US"/>
           </a:p>
         </p:txBody>
       </p:sp>
@@ -873,10 +867,9 @@
           <a:lstStyle/>
           <a:p>
             <a:r>
-              <a:rPr lang="ja-JP" altLang="en-US" smtClean="0"/>
+              <a:rPr lang="ja-JP" altLang="en-US"/>
               <a:t>マスター タイトルの書式設定</a:t>
             </a:r>
-            <a:endParaRPr lang="ja-JP" altLang="en-US"/>
           </a:p>
         </p:txBody>
       </p:sp>
@@ -897,70 +890,69 @@
           <a:p>
             <a:pPr lvl="0"/>
             <a:r>
-              <a:rPr lang="ja-JP" altLang="en-US" smtClean="0"/>
+              <a:rPr lang="ja-JP" altLang="en-US"/>
               <a:t>マスター テキストの書式設定</a:t>
             </a:r>
           </a:p>
           <a:p>
             <a:pPr lvl="1"/>
             <a:r>
-              <a:rPr lang="ja-JP" altLang="en-US" smtClean="0"/>
+              <a:rPr lang="ja-JP" altLang="en-US"/>
               <a:t>第 </a:t>
             </a:r>
             <a:r>
-              <a:rPr lang="en-US" altLang="ja-JP" smtClean="0"/>
+              <a:rPr lang="en-US" altLang="ja-JP"/>
               <a:t>2 </a:t>
             </a:r>
             <a:r>
-              <a:rPr lang="ja-JP" altLang="en-US" smtClean="0"/>
+              <a:rPr lang="ja-JP" altLang="en-US"/>
               <a:t>レベル</a:t>
             </a:r>
           </a:p>
           <a:p>
             <a:pPr lvl="2"/>
             <a:r>
-              <a:rPr lang="ja-JP" altLang="en-US" smtClean="0"/>
+              <a:rPr lang="ja-JP" altLang="en-US"/>
               <a:t>第 </a:t>
             </a:r>
             <a:r>
-              <a:rPr lang="en-US" altLang="ja-JP" smtClean="0"/>
+              <a:rPr lang="en-US" altLang="ja-JP"/>
               <a:t>3 </a:t>
             </a:r>
             <a:r>
-              <a:rPr lang="ja-JP" altLang="en-US" smtClean="0"/>
+              <a:rPr lang="ja-JP" altLang="en-US"/>
               <a:t>レベル</a:t>
             </a:r>
           </a:p>
           <a:p>
             <a:pPr lvl="3"/>
             <a:r>
-              <a:rPr lang="ja-JP" altLang="en-US" smtClean="0"/>
+              <a:rPr lang="ja-JP" altLang="en-US"/>
               <a:t>第 </a:t>
             </a:r>
             <a:r>
-              <a:rPr lang="en-US" altLang="ja-JP" smtClean="0"/>
+              <a:rPr lang="en-US" altLang="ja-JP"/>
               <a:t>4 </a:t>
             </a:r>
             <a:r>
-              <a:rPr lang="ja-JP" altLang="en-US" smtClean="0"/>
+              <a:rPr lang="ja-JP" altLang="en-US"/>
               <a:t>レベル</a:t>
             </a:r>
           </a:p>
           <a:p>
             <a:pPr lvl="4"/>
             <a:r>
-              <a:rPr lang="ja-JP" altLang="en-US" smtClean="0"/>
+              <a:rPr lang="ja-JP" altLang="en-US"/>
               <a:t>第 </a:t>
             </a:r>
             <a:r>
-              <a:rPr lang="en-US" altLang="ja-JP" smtClean="0"/>
+              <a:rPr lang="en-US" altLang="ja-JP"/>
               <a:t>5 </a:t>
             </a:r>
             <a:r>
-              <a:rPr lang="ja-JP" altLang="en-US" smtClean="0"/>
+              <a:rPr lang="ja-JP" altLang="en-US"/>
               <a:t>レベル</a:t>
             </a:r>
-            <a:endParaRPr lang="ja-JP" altLang="en-US"/>
           </a:p>
         </p:txBody>
       </p:sp>
@@ -1110,10 +1102,9 @@
           </a:lstStyle>
           <a:p>
             <a:r>
-              <a:rPr lang="ja-JP" altLang="en-US" smtClean="0"/>
+              <a:rPr lang="ja-JP" altLang="en-US"/>
               <a:t>マスター タイトルの書式設定</a:t>
             </a:r>
-            <a:endParaRPr lang="ja-JP" altLang="en-US"/>
           </a:p>
         </p:txBody>
       </p:sp>
@@ -1176,7 +1167,7 @@
           <a:p>
             <a:pPr lvl="0"/>
             <a:r>
-              <a:rPr lang="ja-JP" altLang="en-US" smtClean="0"/>
+              <a:rPr lang="ja-JP" altLang="en-US"/>
               <a:t>マスター テキストの書式設定</a:t>
             </a:r>
           </a:p>
@@ -1319,10 +1310,9 @@
           <a:lstStyle/>
           <a:p>
             <a:r>
-              <a:rPr lang="ja-JP" altLang="en-US" smtClean="0"/>
+              <a:rPr lang="ja-JP" altLang="en-US"/>
               <a:t>マスター タイトルの書式設定</a:t>
             </a:r>
-            <a:endParaRPr lang="ja-JP" altLang="en-US"/>
           </a:p>
         </p:txBody>
       </p:sp>
@@ -1348,70 +1338,69 @@
           <a:p>
             <a:pPr lvl="0"/>
             <a:r>
-              <a:rPr lang="ja-JP" altLang="en-US" smtClean="0"/>
+              <a:rPr lang="ja-JP" altLang="en-US"/>
               <a:t>マスター テキストの書式設定</a:t>
             </a:r>
           </a:p>
           <a:p>
             <a:pPr lvl="1"/>
             <a:r>
-              <a:rPr lang="ja-JP" altLang="en-US" smtClean="0"/>
+              <a:rPr lang="ja-JP" altLang="en-US"/>
               <a:t>第 </a:t>
             </a:r>
             <a:r>
-              <a:rPr lang="en-US" altLang="ja-JP" smtClean="0"/>
+              <a:rPr lang="en-US" altLang="ja-JP"/>
               <a:t>2 </a:t>
             </a:r>
             <a:r>
-              <a:rPr lang="ja-JP" altLang="en-US" smtClean="0"/>
+              <a:rPr lang="ja-JP" altLang="en-US"/>
               <a:t>レベル</a:t>
             </a:r>
           </a:p>
           <a:p>
             <a:pPr lvl="2"/>
             <a:r>
-              <a:rPr lang="ja-JP" altLang="en-US" smtClean="0"/>
+              <a:rPr lang="ja-JP" altLang="en-US"/>
               <a:t>第 </a:t>
             </a:r>
             <a:r>
-              <a:rPr lang="en-US" altLang="ja-JP" smtClean="0"/>
+              <a:rPr lang="en-US" altLang="ja-JP"/>
               <a:t>3 </a:t>
             </a:r>
             <a:r>
-              <a:rPr lang="ja-JP" altLang="en-US" smtClean="0"/>
+              <a:rPr lang="ja-JP" altLang="en-US"/>
               <a:t>レベル</a:t>
             </a:r>
           </a:p>
           <a:p>
             <a:pPr lvl="3"/>
             <a:r>
-              <a:rPr lang="ja-JP" altLang="en-US" smtClean="0"/>
+              <a:rPr lang="ja-JP" altLang="en-US"/>
               <a:t>第 </a:t>
             </a:r>
             <a:r>
-              <a:rPr lang="en-US" altLang="ja-JP" smtClean="0"/>
+              <a:rPr lang="en-US" altLang="ja-JP"/>
               <a:t>4 </a:t>
             </a:r>
             <a:r>
-              <a:rPr lang="ja-JP" altLang="en-US" smtClean="0"/>
+              <a:rPr lang="ja-JP" altLang="en-US"/>
               <a:t>レベル</a:t>
             </a:r>
           </a:p>
           <a:p>
             <a:pPr lvl="4"/>
             <a:r>
-              <a:rPr lang="ja-JP" altLang="en-US" smtClean="0"/>
+              <a:rPr lang="ja-JP" altLang="en-US"/>
               <a:t>第 </a:t>
             </a:r>
             <a:r>
-              <a:rPr lang="en-US" altLang="ja-JP" smtClean="0"/>
+              <a:rPr lang="en-US" altLang="ja-JP"/>
               <a:t>5 </a:t>
             </a:r>
             <a:r>
-              <a:rPr lang="ja-JP" altLang="en-US" smtClean="0"/>
+              <a:rPr lang="ja-JP" altLang="en-US"/>
               <a:t>レベル</a:t>
             </a:r>
-            <a:endParaRPr lang="ja-JP" altLang="en-US"/>
           </a:p>
         </p:txBody>
       </p:sp>
@@ -1437,70 +1426,69 @@
           <a:p>
             <a:pPr lvl="0"/>
             <a:r>
-              <a:rPr lang="ja-JP" altLang="en-US" smtClean="0"/>
+              <a:rPr lang="ja-JP" altLang="en-US"/>
               <a:t>マスター テキストの書式設定</a:t>
             </a:r>
           </a:p>
           <a:p>
             <a:pPr lvl="1"/>
             <a:r>
-              <a:rPr lang="ja-JP" altLang="en-US" smtClean="0"/>
+              <a:rPr lang="ja-JP" altLang="en-US"/>
               <a:t>第 </a:t>
             </a:r>
             <a:r>
-              <a:rPr lang="en-US" altLang="ja-JP" smtClean="0"/>
+              <a:rPr lang="en-US" altLang="ja-JP"/>
               <a:t>2 </a:t>
             </a:r>
             <a:r>
-              <a:rPr lang="ja-JP" altLang="en-US" smtClean="0"/>
+              <a:rPr lang="ja-JP" altLang="en-US"/>
               <a:t>レベル</a:t>
             </a:r>
           </a:p>
           <a:p>
             <a:pPr lvl="2"/>
             <a:r>
-              <a:rPr lang="ja-JP" altLang="en-US" smtClean="0"/>
+              <a:rPr lang="ja-JP" altLang="en-US"/>
               <a:t>第 </a:t>
             </a:r>
             <a:r>
-              <a:rPr lang="en-US" altLang="ja-JP" smtClean="0"/>
+              <a:rPr lang="en-US" altLang="ja-JP"/>
               <a:t>3 </a:t>
             </a:r>
             <a:r>
-              <a:rPr lang="ja-JP" altLang="en-US" smtClean="0"/>
+              <a:rPr lang="ja-JP" altLang="en-US"/>
               <a:t>レベル</a:t>
             </a:r>
           </a:p>
           <a:p>
             <a:pPr lvl="3"/>
             <a:r>
-              <a:rPr lang="ja-JP" altLang="en-US" smtClean="0"/>
+              <a:rPr lang="ja-JP" altLang="en-US"/>
               <a:t>第 </a:t>
             </a:r>
             <a:r>
-              <a:rPr lang="en-US" altLang="ja-JP" smtClean="0"/>
+              <a:rPr lang="en-US" altLang="ja-JP"/>
               <a:t>4 </a:t>
             </a:r>
             <a:r>
-              <a:rPr lang="ja-JP" altLang="en-US" smtClean="0"/>
+              <a:rPr lang="ja-JP" altLang="en-US"/>
               <a:t>レベル</a:t>
             </a:r>
           </a:p>
           <a:p>
             <a:pPr lvl="4"/>
             <a:r>
-              <a:rPr lang="ja-JP" altLang="en-US" smtClean="0"/>
+              <a:rPr lang="ja-JP" altLang="en-US"/>
               <a:t>第 </a:t>
             </a:r>
             <a:r>
-              <a:rPr lang="en-US" altLang="ja-JP" smtClean="0"/>
+              <a:rPr lang="en-US" altLang="ja-JP"/>
               <a:t>5 </a:t>
             </a:r>
             <a:r>
-              <a:rPr lang="ja-JP" altLang="en-US" smtClean="0"/>
+              <a:rPr lang="ja-JP" altLang="en-US"/>
               <a:t>レベル</a:t>
             </a:r>
-            <a:endParaRPr lang="ja-JP" altLang="en-US"/>
           </a:p>
         </p:txBody>
       </p:sp>
@@ -1646,10 +1634,9 @@
           <a:lstStyle/>
           <a:p>
             <a:r>
-              <a:rPr lang="ja-JP" altLang="en-US" smtClean="0"/>
+              <a:rPr lang="ja-JP" altLang="en-US"/>
               <a:t>マスター タイトルの書式設定</a:t>
             </a:r>
-            <a:endParaRPr lang="ja-JP" altLang="en-US"/>
           </a:p>
         </p:txBody>
       </p:sp>
@@ -1712,7 +1699,7 @@
           <a:p>
             <a:pPr lvl="0"/>
             <a:r>
-              <a:rPr lang="ja-JP" altLang="en-US" smtClean="0"/>
+              <a:rPr lang="ja-JP" altLang="en-US"/>
               <a:t>マスター テキストの書式設定</a:t>
             </a:r>
           </a:p>
@@ -1740,70 +1727,69 @@
           <a:p>
             <a:pPr lvl="0"/>
             <a:r>
-              <a:rPr lang="ja-JP" altLang="en-US" smtClean="0"/>
+              <a:rPr lang="ja-JP" altLang="en-US"/>
               <a:t>マスター テキストの書式設定</a:t>
             </a:r>
           </a:p>
           <a:p>
             <a:pPr lvl="1"/>
             <a:r>
-              <a:rPr lang="ja-JP" altLang="en-US" smtClean="0"/>
+              <a:rPr lang="ja-JP" altLang="en-US"/>
               <a:t>第 </a:t>
             </a:r>
             <a:r>
-              <a:rPr lang="en-US" altLang="ja-JP" smtClean="0"/>
+              <a:rPr lang="en-US" altLang="ja-JP"/>
               <a:t>2 </a:t>
             </a:r>
             <a:r>
-              <a:rPr lang="ja-JP" altLang="en-US" smtClean="0"/>
+              <a:rPr lang="ja-JP" altLang="en-US"/>
               <a:t>レベル</a:t>
             </a:r>
           </a:p>
           <a:p>
             <a:pPr lvl="2"/>
             <a:r>
-              <a:rPr lang="ja-JP" altLang="en-US" smtClean="0"/>
+              <a:rPr lang="ja-JP" altLang="en-US"/>
               <a:t>第 </a:t>
             </a:r>
             <a:r>
-              <a:rPr lang="en-US" altLang="ja-JP" smtClean="0"/>
+              <a:rPr lang="en-US" altLang="ja-JP"/>
               <a:t>3 </a:t>
             </a:r>
             <a:r>
-              <a:rPr lang="ja-JP" altLang="en-US" smtClean="0"/>
+              <a:rPr lang="ja-JP" altLang="en-US"/>
               <a:t>レベル</a:t>
             </a:r>
           </a:p>
           <a:p>
             <a:pPr lvl="3"/>
             <a:r>
-              <a:rPr lang="ja-JP" altLang="en-US" smtClean="0"/>
+              <a:rPr lang="ja-JP" altLang="en-US"/>
               <a:t>第 </a:t>
             </a:r>
             <a:r>
-              <a:rPr lang="en-US" altLang="ja-JP" smtClean="0"/>
+              <a:rPr lang="en-US" altLang="ja-JP"/>
               <a:t>4 </a:t>
             </a:r>
             <a:r>
-              <a:rPr lang="ja-JP" altLang="en-US" smtClean="0"/>
+              <a:rPr lang="ja-JP" altLang="en-US"/>
               <a:t>レベル</a:t>
             </a:r>
           </a:p>
           <a:p>
             <a:pPr lvl="4"/>
             <a:r>
-              <a:rPr lang="ja-JP" altLang="en-US" smtClean="0"/>
+              <a:rPr lang="ja-JP" altLang="en-US"/>
               <a:t>第 </a:t>
             </a:r>
             <a:r>
-              <a:rPr lang="en-US" altLang="ja-JP" smtClean="0"/>
+              <a:rPr lang="en-US" altLang="ja-JP"/>
               <a:t>5 </a:t>
             </a:r>
             <a:r>
-              <a:rPr lang="ja-JP" altLang="en-US" smtClean="0"/>
+              <a:rPr lang="ja-JP" altLang="en-US"/>
               <a:t>レベル</a:t>
             </a:r>
-            <a:endParaRPr lang="ja-JP" altLang="en-US"/>
           </a:p>
         </p:txBody>
       </p:sp>
@@ -1866,7 +1852,7 @@
           <a:p>
             <a:pPr lvl="0"/>
             <a:r>
-              <a:rPr lang="ja-JP" altLang="en-US" smtClean="0"/>
+              <a:rPr lang="ja-JP" altLang="en-US"/>
               <a:t>マスター テキストの書式設定</a:t>
             </a:r>
           </a:p>
@@ -1894,70 +1880,69 @@
           <a:p>
             <a:pPr lvl="0"/>
             <a:r>
-              <a:rPr lang="ja-JP" altLang="en-US" smtClean="0"/>
+              <a:rPr lang="ja-JP" altLang="en-US"/>
               <a:t>マスター テキストの書式設定</a:t>
             </a:r>
           </a:p>
           <a:p>
             <a:pPr lvl="1"/>
             <a:r>
-              <a:rPr lang="ja-JP" altLang="en-US" smtClean="0"/>
+              <a:rPr lang="ja-JP" altLang="en-US"/>
               <a:t>第 </a:t>
             </a:r>
             <a:r>
-              <a:rPr lang="en-US" altLang="ja-JP" smtClean="0"/>
+              <a:rPr lang="en-US" altLang="ja-JP"/>
               <a:t>2 </a:t>
             </a:r>
             <a:r>
-              <a:rPr lang="ja-JP" altLang="en-US" smtClean="0"/>
+              <a:rPr lang="ja-JP" altLang="en-US"/>
               <a:t>レベル</a:t>
             </a:r>
           </a:p>
           <a:p>
             <a:pPr lvl="2"/>
             <a:r>
-              <a:rPr lang="ja-JP" altLang="en-US" smtClean="0"/>
+              <a:rPr lang="ja-JP" altLang="en-US"/>
               <a:t>第 </a:t>
             </a:r>
             <a:r>
-              <a:rPr lang="en-US" altLang="ja-JP" smtClean="0"/>
+              <a:rPr lang="en-US" altLang="ja-JP"/>
               <a:t>3 </a:t>
             </a:r>
             <a:r>
-              <a:rPr lang="ja-JP" altLang="en-US" smtClean="0"/>
+              <a:rPr lang="ja-JP" altLang="en-US"/>
               <a:t>レベル</a:t>
             </a:r>
           </a:p>
           <a:p>
             <a:pPr lvl="3"/>
             <a:r>
-              <a:rPr lang="ja-JP" altLang="en-US" smtClean="0"/>
+              <a:rPr lang="ja-JP" altLang="en-US"/>
               <a:t>第 </a:t>
             </a:r>
             <a:r>
-              <a:rPr lang="en-US" altLang="ja-JP" smtClean="0"/>
+              <a:rPr lang="en-US" altLang="ja-JP"/>
               <a:t>4 </a:t>
             </a:r>
             <a:r>
-              <a:rPr lang="ja-JP" altLang="en-US" smtClean="0"/>
+              <a:rPr lang="ja-JP" altLang="en-US"/>
               <a:t>レベル</a:t>
             </a:r>
           </a:p>
           <a:p>
             <a:pPr lvl="4"/>
             <a:r>
-              <a:rPr lang="ja-JP" altLang="en-US" smtClean="0"/>
+              <a:rPr lang="ja-JP" altLang="en-US"/>
               <a:t>第 </a:t>
             </a:r>
             <a:r>
-              <a:rPr lang="en-US" altLang="ja-JP" smtClean="0"/>
+              <a:rPr lang="en-US" altLang="ja-JP"/>
               <a:t>5 </a:t>
             </a:r>
             <a:r>
-              <a:rPr lang="ja-JP" altLang="en-US" smtClean="0"/>
+              <a:rPr lang="ja-JP" altLang="en-US"/>
               <a:t>レベル</a:t>
             </a:r>
-            <a:endParaRPr lang="ja-JP" altLang="en-US"/>
           </a:p>
         </p:txBody>
       </p:sp>
@@ -2107,10 +2092,9 @@
           </a:lstStyle>
           <a:p>
             <a:r>
-              <a:rPr lang="ja-JP" altLang="en-US" smtClean="0"/>
+              <a:rPr lang="ja-JP" altLang="en-US"/>
               <a:t>マスター タイトルの書式設定</a:t>
             </a:r>
-            <a:endParaRPr lang="ja-JP" altLang="en-US"/>
           </a:p>
         </p:txBody>
       </p:sp>
@@ -2381,10 +2365,9 @@
           </a:lstStyle>
           <a:p>
             <a:r>
-              <a:rPr lang="ja-JP" altLang="en-US" smtClean="0"/>
+              <a:rPr lang="ja-JP" altLang="en-US"/>
               <a:t>マスター タイトルの書式設定</a:t>
             </a:r>
-            <a:endParaRPr lang="ja-JP" altLang="en-US"/>
           </a:p>
         </p:txBody>
       </p:sp>
@@ -2438,70 +2421,69 @@
           <a:p>
             <a:pPr lvl="0"/>
             <a:r>
-              <a:rPr lang="ja-JP" altLang="en-US" smtClean="0"/>
+              <a:rPr lang="ja-JP" altLang="en-US"/>
               <a:t>マスター テキストの書式設定</a:t>
             </a:r>
           </a:p>
           <a:p>
             <a:pPr lvl="1"/>
             <a:r>
-              <a:rPr lang="ja-JP" altLang="en-US" smtClean="0"/>
+              <a:rPr lang="ja-JP" altLang="en-US"/>
               <a:t>第 </a:t>
             </a:r>
             <a:r>
-              <a:rPr lang="en-US" altLang="ja-JP" smtClean="0"/>
+              <a:rPr lang="en-US" altLang="ja-JP"/>
               <a:t>2 </a:t>
             </a:r>
             <a:r>
-              <a:rPr lang="ja-JP" altLang="en-US" smtClean="0"/>
+              <a:rPr lang="ja-JP" altLang="en-US"/>
               <a:t>レベル</a:t>
             </a:r>
           </a:p>
           <a:p>
             <a:pPr lvl="2"/>
             <a:r>
-              <a:rPr lang="ja-JP" altLang="en-US" smtClean="0"/>
+              <a:rPr lang="ja-JP" altLang="en-US"/>
               <a:t>第 </a:t>
             </a:r>
             <a:r>
-              <a:rPr lang="en-US" altLang="ja-JP" smtClean="0"/>
+              <a:rPr lang="en-US" altLang="ja-JP"/>
               <a:t>3 </a:t>
             </a:r>
             <a:r>
-              <a:rPr lang="ja-JP" altLang="en-US" smtClean="0"/>
+              <a:rPr lang="ja-JP" altLang="en-US"/>
               <a:t>レベル</a:t>
             </a:r>
           </a:p>
           <a:p>
             <a:pPr lvl="3"/>
             <a:r>
-              <a:rPr lang="ja-JP" altLang="en-US" smtClean="0"/>
+              <a:rPr lang="ja-JP" altLang="en-US"/>
               <a:t>第 </a:t>
             </a:r>
             <a:r>
-              <a:rPr lang="en-US" altLang="ja-JP" smtClean="0"/>
+              <a:rPr lang="en-US" altLang="ja-JP"/>
               <a:t>4 </a:t>
             </a:r>
             <a:r>
-              <a:rPr lang="ja-JP" altLang="en-US" smtClean="0"/>
+              <a:rPr lang="ja-JP" altLang="en-US"/>
               <a:t>レベル</a:t>
             </a:r>
           </a:p>
           <a:p>
             <a:pPr lvl="4"/>
             <a:r>
-              <a:rPr lang="ja-JP" altLang="en-US" smtClean="0"/>
+              <a:rPr lang="ja-JP" altLang="en-US"/>
               <a:t>第 </a:t>
             </a:r>
             <a:r>
-              <a:rPr lang="en-US" altLang="ja-JP" smtClean="0"/>
+              <a:rPr lang="en-US" altLang="ja-JP"/>
               <a:t>5 </a:t>
             </a:r>
             <a:r>
-              <a:rPr lang="ja-JP" altLang="en-US" smtClean="0"/>
+              <a:rPr lang="ja-JP" altLang="en-US"/>
               <a:t>レベル</a:t>
             </a:r>
-            <a:endParaRPr lang="ja-JP" altLang="en-US"/>
           </a:p>
         </p:txBody>
       </p:sp>
@@ -2564,7 +2546,7 @@
           <a:p>
             <a:pPr lvl="0"/>
             <a:r>
-              <a:rPr lang="ja-JP" altLang="en-US" smtClean="0"/>
+              <a:rPr lang="ja-JP" altLang="en-US"/>
               <a:t>マスター テキストの書式設定</a:t>
             </a:r>
           </a:p>
@@ -2716,10 +2698,9 @@
           </a:lstStyle>
           <a:p>
             <a:r>
-              <a:rPr lang="ja-JP" altLang="en-US" smtClean="0"/>
+              <a:rPr lang="ja-JP" altLang="en-US"/>
               <a:t>マスター タイトルの書式設定</a:t>
             </a:r>
-            <a:endParaRPr lang="ja-JP" altLang="en-US"/>
           </a:p>
         </p:txBody>
       </p:sp>
@@ -2781,7 +2762,7 @@
           </a:lstStyle>
           <a:p>
             <a:pPr lvl="0"/>
-            <a:endParaRPr lang="ja-JP" altLang="en-US" noProof="0" smtClean="0"/>
+            <a:endParaRPr lang="ja-JP" altLang="en-US" noProof="0"/>
           </a:p>
         </p:txBody>
       </p:sp>
@@ -2844,7 +2825,7 @@
           <a:p>
             <a:pPr lvl="0"/>
             <a:r>
-              <a:rPr lang="ja-JP" altLang="en-US" smtClean="0"/>
+              <a:rPr lang="ja-JP" altLang="en-US"/>
               <a:t>マスター テキストの書式設定</a:t>
             </a:r>
           </a:p>
@@ -3041,7 +3022,7 @@
           <a:p>
             <a:pPr lvl="0"/>
             <a:r>
-              <a:rPr lang="ja-JP" altLang="en-US" smtClean="0"/>
+              <a:rPr lang="ja-JP" altLang="en-US"/>
               <a:t>マスタ タイトルの書式設定</a:t>
             </a:r>
           </a:p>
@@ -3109,67 +3090,67 @@
           <a:p>
             <a:pPr lvl="0"/>
             <a:r>
-              <a:rPr lang="ja-JP" altLang="en-US" smtClean="0"/>
+              <a:rPr lang="ja-JP" altLang="en-US"/>
               <a:t>マスタ テキストの書式設定</a:t>
             </a:r>
           </a:p>
           <a:p>
             <a:pPr lvl="1"/>
             <a:r>
-              <a:rPr lang="ja-JP" altLang="en-US" smtClean="0"/>
+              <a:rPr lang="ja-JP" altLang="en-US"/>
               <a:t>第 </a:t>
             </a:r>
             <a:r>
-              <a:rPr lang="en-US" altLang="ja-JP" smtClean="0"/>
+              <a:rPr lang="en-US" altLang="ja-JP"/>
               <a:t>2 </a:t>
             </a:r>
             <a:r>
-              <a:rPr lang="ja-JP" altLang="en-US" smtClean="0"/>
+              <a:rPr lang="ja-JP" altLang="en-US"/>
               <a:t>レベル</a:t>
             </a:r>
           </a:p>
           <a:p>
             <a:pPr lvl="2"/>
             <a:r>
-              <a:rPr lang="ja-JP" altLang="en-US" smtClean="0"/>
+              <a:rPr lang="ja-JP" altLang="en-US"/>
               <a:t>第 </a:t>
             </a:r>
             <a:r>
-              <a:rPr lang="en-US" altLang="ja-JP" smtClean="0"/>
+              <a:rPr lang="en-US" altLang="ja-JP"/>
               <a:t>3 </a:t>
             </a:r>
             <a:r>
-              <a:rPr lang="ja-JP" altLang="en-US" smtClean="0"/>
+              <a:rPr lang="ja-JP" altLang="en-US"/>
               <a:t>レベル</a:t>
             </a:r>
           </a:p>
           <a:p>
             <a:pPr lvl="3"/>
             <a:r>
-              <a:rPr lang="ja-JP" altLang="en-US" smtClean="0"/>
+              <a:rPr lang="ja-JP" altLang="en-US"/>
               <a:t>第 </a:t>
             </a:r>
             <a:r>
-              <a:rPr lang="en-US" altLang="ja-JP" smtClean="0"/>
+              <a:rPr lang="en-US" altLang="ja-JP"/>
               <a:t>4 </a:t>
             </a:r>
             <a:r>
-              <a:rPr lang="ja-JP" altLang="en-US" smtClean="0"/>
+              <a:rPr lang="ja-JP" altLang="en-US"/>
               <a:t>レベル</a:t>
             </a:r>
           </a:p>
           <a:p>
             <a:pPr lvl="4"/>
             <a:r>
-              <a:rPr lang="ja-JP" altLang="en-US" smtClean="0"/>
+              <a:rPr lang="ja-JP" altLang="en-US"/>
               <a:t>第 </a:t>
             </a:r>
             <a:r>
-              <a:rPr lang="en-US" altLang="ja-JP" smtClean="0"/>
+              <a:rPr lang="en-US" altLang="ja-JP"/>
               <a:t>5 </a:t>
             </a:r>
             <a:r>
-              <a:rPr lang="ja-JP" altLang="en-US" smtClean="0"/>
+              <a:rPr lang="ja-JP" altLang="en-US"/>
               <a:t>レベル</a:t>
             </a:r>
           </a:p>
@@ -7108,7 +7089,7 @@
           <a:lstStyle/>
           <a:p>
             <a:r>
-              <a:rPr kumimoji="1" lang="en-US" altLang="ja-JP" dirty="0" smtClean="0"/>
+              <a:rPr kumimoji="1" lang="en-US" altLang="ja-JP" dirty="0"/>
               <a:t>Support point</a:t>
             </a:r>
             <a:endParaRPr kumimoji="1" lang="ja-JP" altLang="en-US" dirty="0"/>
@@ -12746,8 +12727,8 @@
           </a:fontRef>
         </p:style>
       </p:cxnSp>
-      <mc:AlternateContent xmlns:mc="http://schemas.openxmlformats.org/markup-compatibility/2006">
-        <mc:Choice xmlns:a14="http://schemas.microsoft.com/office/drawing/2010/main" Requires="a14">
+      <mc:AlternateContent xmlns:mc="http://schemas.openxmlformats.org/markup-compatibility/2006" xmlns:a14="http://schemas.microsoft.com/office/drawing/2010/main">
+        <mc:Choice Requires="a14">
           <p:sp>
             <p:nvSpPr>
               <p:cNvPr id="29" name="テキスト ボックス 28"/>
@@ -12770,6 +12751,7 @@
               </a:bodyPr>
               <a:lstStyle/>
               <a:p>
+                <a:pPr/>
                 <a14:m>
                   <m:oMathPara xmlns:m="http://schemas.openxmlformats.org/officeDocument/2006/math">
                     <m:oMathParaPr>
@@ -12809,7 +12791,7 @@
             </p:txBody>
           </p:sp>
         </mc:Choice>
-        <mc:Fallback>
+        <mc:Fallback xmlns="">
           <p:sp>
             <p:nvSpPr>
               <p:cNvPr id="29" name="テキスト ボックス 28"/>
@@ -12848,8 +12830,8 @@
           </p:sp>
         </mc:Fallback>
       </mc:AlternateContent>
-      <mc:AlternateContent xmlns:mc="http://schemas.openxmlformats.org/markup-compatibility/2006">
-        <mc:Choice xmlns:a14="http://schemas.microsoft.com/office/drawing/2010/main" Requires="a14">
+      <mc:AlternateContent xmlns:mc="http://schemas.openxmlformats.org/markup-compatibility/2006" xmlns:a14="http://schemas.microsoft.com/office/drawing/2010/main">
+        <mc:Choice Requires="a14">
           <p:sp>
             <p:nvSpPr>
               <p:cNvPr id="56" name="テキスト ボックス 55"/>
@@ -12872,6 +12854,7 @@
               </a:bodyPr>
               <a:lstStyle/>
               <a:p>
+                <a:pPr/>
                 <a14:m>
                   <m:oMathPara xmlns:m="http://schemas.openxmlformats.org/officeDocument/2006/math">
                     <m:oMathParaPr>
@@ -12911,7 +12894,7 @@
             </p:txBody>
           </p:sp>
         </mc:Choice>
-        <mc:Fallback>
+        <mc:Fallback xmlns="">
           <p:sp>
             <p:nvSpPr>
               <p:cNvPr id="56" name="テキスト ボックス 55"/>
@@ -13048,8 +13031,8 @@
           </a:fontRef>
         </p:style>
       </p:cxnSp>
-      <mc:AlternateContent xmlns:mc="http://schemas.openxmlformats.org/markup-compatibility/2006">
-        <mc:Choice xmlns:a14="http://schemas.microsoft.com/office/drawing/2010/main" Requires="a14">
+      <mc:AlternateContent xmlns:mc="http://schemas.openxmlformats.org/markup-compatibility/2006" xmlns:a14="http://schemas.microsoft.com/office/drawing/2010/main">
+        <mc:Choice Requires="a14">
           <p:sp>
             <p:nvSpPr>
               <p:cNvPr id="65" name="テキスト ボックス 64"/>
@@ -13072,6 +13055,7 @@
               </a:bodyPr>
               <a:lstStyle/>
               <a:p>
+                <a:pPr/>
                 <a14:m>
                   <m:oMathPara xmlns:m="http://schemas.openxmlformats.org/officeDocument/2006/math">
                     <m:oMathParaPr>
@@ -13142,7 +13126,7 @@
             </p:txBody>
           </p:sp>
         </mc:Choice>
-        <mc:Fallback>
+        <mc:Fallback xmlns="">
           <p:sp>
             <p:nvSpPr>
               <p:cNvPr id="65" name="テキスト ボックス 64"/>
@@ -13215,8 +13199,8 @@
           </a:fontRef>
         </p:style>
       </p:cxnSp>
-      <mc:AlternateContent xmlns:mc="http://schemas.openxmlformats.org/markup-compatibility/2006">
-        <mc:Choice xmlns:a14="http://schemas.microsoft.com/office/drawing/2010/main" Requires="a14">
+      <mc:AlternateContent xmlns:mc="http://schemas.openxmlformats.org/markup-compatibility/2006" xmlns:a14="http://schemas.microsoft.com/office/drawing/2010/main">
+        <mc:Choice Requires="a14">
           <p:sp>
             <p:nvSpPr>
               <p:cNvPr id="72" name="テキスト ボックス 71"/>
@@ -13239,6 +13223,7 @@
               </a:bodyPr>
               <a:lstStyle/>
               <a:p>
+                <a:pPr/>
                 <a14:m>
                   <m:oMathPara xmlns:m="http://schemas.openxmlformats.org/officeDocument/2006/math">
                     <m:oMathParaPr>
@@ -13278,7 +13263,7 @@
             </p:txBody>
           </p:sp>
         </mc:Choice>
-        <mc:Fallback>
+        <mc:Fallback xmlns="">
           <p:sp>
             <p:nvSpPr>
               <p:cNvPr id="72" name="テキスト ボックス 71"/>
@@ -13317,8 +13302,8 @@
           </p:sp>
         </mc:Fallback>
       </mc:AlternateContent>
-      <mc:AlternateContent xmlns:mc="http://schemas.openxmlformats.org/markup-compatibility/2006">
-        <mc:Choice xmlns:a14="http://schemas.microsoft.com/office/drawing/2010/main" Requires="a14">
+      <mc:AlternateContent xmlns:mc="http://schemas.openxmlformats.org/markup-compatibility/2006" xmlns:a14="http://schemas.microsoft.com/office/drawing/2010/main">
+        <mc:Choice Requires="a14">
           <p:sp>
             <p:nvSpPr>
               <p:cNvPr id="76" name="正方形/長方形 75"/>
@@ -13340,6 +13325,7 @@
               </a:bodyPr>
               <a:lstStyle/>
               <a:p>
+                <a:pPr/>
                 <a14:m>
                   <m:oMathPara xmlns:m="http://schemas.openxmlformats.org/officeDocument/2006/math">
                     <m:oMathParaPr>
@@ -13360,7 +13346,7 @@
             </p:txBody>
           </p:sp>
         </mc:Choice>
-        <mc:Fallback>
+        <mc:Fallback xmlns="">
           <p:sp>
             <p:nvSpPr>
               <p:cNvPr id="76" name="正方形/長方形 75"/>
@@ -13399,8 +13385,8 @@
           </p:sp>
         </mc:Fallback>
       </mc:AlternateContent>
-      <mc:AlternateContent xmlns:mc="http://schemas.openxmlformats.org/markup-compatibility/2006">
-        <mc:Choice xmlns:a14="http://schemas.microsoft.com/office/drawing/2010/main" Requires="a14">
+      <mc:AlternateContent xmlns:mc="http://schemas.openxmlformats.org/markup-compatibility/2006" xmlns:a14="http://schemas.microsoft.com/office/drawing/2010/main">
+        <mc:Choice Requires="a14">
           <p:sp>
             <p:nvSpPr>
               <p:cNvPr id="77" name="正方形/長方形 76"/>
@@ -13423,7 +13409,7 @@
               <a:lstStyle/>
               <a:p>
                 <a:r>
-                  <a:rPr lang="en-US" altLang="ja-JP" b="0" dirty="0" smtClean="0"/>
+                  <a:rPr lang="en-US" altLang="ja-JP" b="0" dirty="0"/>
                   <a:t>sin</a:t>
                 </a:r>
                 <a14:m>
@@ -13522,7 +13508,7 @@
             </p:txBody>
           </p:sp>
         </mc:Choice>
-        <mc:Fallback>
+        <mc:Fallback xmlns="">
           <p:sp>
             <p:nvSpPr>
               <p:cNvPr id="77" name="正方形/長方形 76"/>
@@ -13696,8 +13682,8 @@
           </a:fontRef>
         </p:style>
       </p:cxnSp>
-      <mc:AlternateContent xmlns:mc="http://schemas.openxmlformats.org/markup-compatibility/2006">
-        <mc:Choice xmlns:a14="http://schemas.microsoft.com/office/drawing/2010/main" Requires="a14">
+      <mc:AlternateContent xmlns:mc="http://schemas.openxmlformats.org/markup-compatibility/2006" xmlns:a14="http://schemas.microsoft.com/office/drawing/2010/main">
+        <mc:Choice Requires="a14">
           <p:sp>
             <p:nvSpPr>
               <p:cNvPr id="87" name="テキスト ボックス 86"/>
@@ -13720,6 +13706,7 @@
               </a:bodyPr>
               <a:lstStyle/>
               <a:p>
+                <a:pPr/>
                 <a14:m>
                   <m:oMathPara xmlns:m="http://schemas.openxmlformats.org/officeDocument/2006/math">
                     <m:oMathParaPr>
@@ -13759,7 +13746,7 @@
             </p:txBody>
           </p:sp>
         </mc:Choice>
-        <mc:Fallback>
+        <mc:Fallback xmlns="">
           <p:sp>
             <p:nvSpPr>
               <p:cNvPr id="87" name="テキスト ボックス 86"/>
@@ -13798,8 +13785,8 @@
           </p:sp>
         </mc:Fallback>
       </mc:AlternateContent>
-      <mc:AlternateContent xmlns:mc="http://schemas.openxmlformats.org/markup-compatibility/2006">
-        <mc:Choice xmlns:a14="http://schemas.microsoft.com/office/drawing/2010/main" Requires="a14">
+      <mc:AlternateContent xmlns:mc="http://schemas.openxmlformats.org/markup-compatibility/2006" xmlns:a14="http://schemas.microsoft.com/office/drawing/2010/main">
+        <mc:Choice Requires="a14">
           <p:sp>
             <p:nvSpPr>
               <p:cNvPr id="88" name="テキスト ボックス 87"/>
@@ -14275,10 +14262,9 @@
                   </m:oMath>
                 </a14:m>
                 <a:r>
-                  <a:rPr lang="ja-JP" altLang="en-US" sz="1400" dirty="0" smtClean="0"/>
+                  <a:rPr lang="ja-JP" altLang="en-US" sz="1400" dirty="0"/>
                   <a:t> </a:t>
                 </a:r>
-                <a:endParaRPr lang="ja-JP" altLang="en-US" sz="1400" dirty="0"/>
               </a:p>
               <a:p>
                 <a:endParaRPr lang="ja-JP" altLang="en-US" sz="1400" dirty="0"/>
@@ -14292,7 +14278,7 @@
             </p:txBody>
           </p:sp>
         </mc:Choice>
-        <mc:Fallback>
+        <mc:Fallback xmlns="">
           <p:sp>
             <p:nvSpPr>
               <p:cNvPr id="88" name="テキスト ボックス 87"/>
@@ -14425,8 +14411,8 @@
           </a:fontRef>
         </p:style>
       </p:cxnSp>
-      <mc:AlternateContent xmlns:mc="http://schemas.openxmlformats.org/markup-compatibility/2006">
-        <mc:Choice xmlns:a14="http://schemas.microsoft.com/office/drawing/2010/main" Requires="a14">
+      <mc:AlternateContent xmlns:mc="http://schemas.openxmlformats.org/markup-compatibility/2006" xmlns:a14="http://schemas.microsoft.com/office/drawing/2010/main">
+        <mc:Choice Requires="a14">
           <p:sp>
             <p:nvSpPr>
               <p:cNvPr id="95" name="テキスト ボックス 94"/>
@@ -14449,6 +14435,7 @@
               </a:bodyPr>
               <a:lstStyle/>
               <a:p>
+                <a:pPr/>
                 <a14:m>
                   <m:oMathPara xmlns:m="http://schemas.openxmlformats.org/officeDocument/2006/math">
                     <m:oMathParaPr>
@@ -14488,7 +14475,7 @@
             </p:txBody>
           </p:sp>
         </mc:Choice>
-        <mc:Fallback>
+        <mc:Fallback xmlns="">
           <p:sp>
             <p:nvSpPr>
               <p:cNvPr id="95" name="テキスト ボックス 94"/>
@@ -14689,8 +14676,8 @@
           </a:fontRef>
         </p:style>
       </p:cxnSp>
-      <mc:AlternateContent xmlns:mc="http://schemas.openxmlformats.org/markup-compatibility/2006">
-        <mc:Choice xmlns:a14="http://schemas.microsoft.com/office/drawing/2010/main" Requires="a14">
+      <mc:AlternateContent xmlns:mc="http://schemas.openxmlformats.org/markup-compatibility/2006" xmlns:a14="http://schemas.microsoft.com/office/drawing/2010/main">
+        <mc:Choice Requires="a14">
           <p:sp>
             <p:nvSpPr>
               <p:cNvPr id="4101" name="テキスト ボックス 4100"/>
@@ -14713,6 +14700,7 @@
               </a:bodyPr>
               <a:lstStyle/>
               <a:p>
+                <a:pPr/>
                 <a14:m>
                   <m:oMathPara xmlns:m="http://schemas.openxmlformats.org/officeDocument/2006/math">
                     <m:oMathParaPr>
@@ -14733,7 +14721,7 @@
             </p:txBody>
           </p:sp>
         </mc:Choice>
-        <mc:Fallback>
+        <mc:Fallback xmlns="">
           <p:sp>
             <p:nvSpPr>
               <p:cNvPr id="4101" name="テキスト ボックス 4100"/>
@@ -14806,8 +14794,8 @@
           </a:fontRef>
         </p:style>
       </p:cxnSp>
-      <mc:AlternateContent xmlns:mc="http://schemas.openxmlformats.org/markup-compatibility/2006">
-        <mc:Choice xmlns:a14="http://schemas.microsoft.com/office/drawing/2010/main" Requires="a14">
+      <mc:AlternateContent xmlns:mc="http://schemas.openxmlformats.org/markup-compatibility/2006" xmlns:a14="http://schemas.microsoft.com/office/drawing/2010/main">
+        <mc:Choice Requires="a14">
           <p:sp>
             <p:nvSpPr>
               <p:cNvPr id="114" name="テキスト ボックス 113"/>
@@ -14830,6 +14818,7 @@
               </a:bodyPr>
               <a:lstStyle/>
               <a:p>
+                <a:pPr/>
                 <a14:m>
                   <m:oMathPara xmlns:m="http://schemas.openxmlformats.org/officeDocument/2006/math">
                     <m:oMathParaPr>
@@ -14862,7 +14851,7 @@
             </p:txBody>
           </p:sp>
         </mc:Choice>
-        <mc:Fallback>
+        <mc:Fallback xmlns="">
           <p:sp>
             <p:nvSpPr>
               <p:cNvPr id="114" name="テキスト ボックス 113"/>
@@ -14901,8 +14890,8 @@
           </p:sp>
         </mc:Fallback>
       </mc:AlternateContent>
-      <mc:AlternateContent xmlns:mc="http://schemas.openxmlformats.org/markup-compatibility/2006">
-        <mc:Choice xmlns:a14="http://schemas.microsoft.com/office/drawing/2010/main" Requires="a14">
+      <mc:AlternateContent xmlns:mc="http://schemas.openxmlformats.org/markup-compatibility/2006" xmlns:a14="http://schemas.microsoft.com/office/drawing/2010/main">
+        <mc:Choice Requires="a14">
           <p:sp>
             <p:nvSpPr>
               <p:cNvPr id="4123" name="正方形/長方形 4122"/>
@@ -14924,6 +14913,7 @@
               </a:bodyPr>
               <a:lstStyle/>
               <a:p>
+                <a:pPr/>
                 <a14:m>
                   <m:oMathPara xmlns:m="http://schemas.openxmlformats.org/officeDocument/2006/math">
                     <m:oMathParaPr>
@@ -14944,7 +14934,7 @@
             </p:txBody>
           </p:sp>
         </mc:Choice>
-        <mc:Fallback>
+        <mc:Fallback xmlns="">
           <p:sp>
             <p:nvSpPr>
               <p:cNvPr id="4123" name="正方形/長方形 4122"/>
@@ -15017,8 +15007,8 @@
           </a:fontRef>
         </p:style>
       </p:cxnSp>
-      <mc:AlternateContent xmlns:mc="http://schemas.openxmlformats.org/markup-compatibility/2006">
-        <mc:Choice xmlns:a14="http://schemas.microsoft.com/office/drawing/2010/main" Requires="a14">
+      <mc:AlternateContent xmlns:mc="http://schemas.openxmlformats.org/markup-compatibility/2006" xmlns:a14="http://schemas.microsoft.com/office/drawing/2010/main">
+        <mc:Choice Requires="a14">
           <p:sp>
             <p:nvSpPr>
               <p:cNvPr id="120" name="テキスト ボックス 119"/>
@@ -15041,6 +15031,7 @@
               </a:bodyPr>
               <a:lstStyle/>
               <a:p>
+                <a:pPr/>
                 <a14:m>
                   <m:oMathPara xmlns:m="http://schemas.openxmlformats.org/officeDocument/2006/math">
                     <m:oMathParaPr>
@@ -15080,7 +15071,7 @@
             </p:txBody>
           </p:sp>
         </mc:Choice>
-        <mc:Fallback>
+        <mc:Fallback xmlns="">
           <p:sp>
             <p:nvSpPr>
               <p:cNvPr id="120" name="テキスト ボックス 119"/>
@@ -15119,8 +15110,8 @@
           </p:sp>
         </mc:Fallback>
       </mc:AlternateContent>
-      <mc:AlternateContent xmlns:mc="http://schemas.openxmlformats.org/markup-compatibility/2006">
-        <mc:Choice xmlns:a14="http://schemas.microsoft.com/office/drawing/2010/main" Requires="a14">
+      <mc:AlternateContent xmlns:mc="http://schemas.openxmlformats.org/markup-compatibility/2006" xmlns:a14="http://schemas.microsoft.com/office/drawing/2010/main">
+        <mc:Choice Requires="a14">
           <p:sp>
             <p:nvSpPr>
               <p:cNvPr id="4126" name="正方形/長方形 4125"/>
@@ -15182,7 +15173,7 @@
             </p:txBody>
           </p:sp>
         </mc:Choice>
-        <mc:Fallback>
+        <mc:Fallback xmlns="">
           <p:sp>
             <p:nvSpPr>
               <p:cNvPr id="4126" name="正方形/長方形 4125"/>
@@ -15221,8 +15212,8 @@
           </p:sp>
         </mc:Fallback>
       </mc:AlternateContent>
-      <mc:AlternateContent xmlns:mc="http://schemas.openxmlformats.org/markup-compatibility/2006">
-        <mc:Choice xmlns:a14="http://schemas.microsoft.com/office/drawing/2010/main" Requires="a14">
+      <mc:AlternateContent xmlns:mc="http://schemas.openxmlformats.org/markup-compatibility/2006" xmlns:a14="http://schemas.microsoft.com/office/drawing/2010/main">
+        <mc:Choice Requires="a14">
           <p:sp>
             <p:nvSpPr>
               <p:cNvPr id="123" name="正方形/長方形 122"/>
@@ -15284,7 +15275,7 @@
             </p:txBody>
           </p:sp>
         </mc:Choice>
-        <mc:Fallback>
+        <mc:Fallback xmlns="">
           <p:sp>
             <p:nvSpPr>
               <p:cNvPr id="123" name="正方形/長方形 122"/>
@@ -15323,8 +15314,8 @@
           </p:sp>
         </mc:Fallback>
       </mc:AlternateContent>
-      <mc:AlternateContent xmlns:mc="http://schemas.openxmlformats.org/markup-compatibility/2006">
-        <mc:Choice xmlns:a14="http://schemas.microsoft.com/office/drawing/2010/main" Requires="a14">
+      <mc:AlternateContent xmlns:mc="http://schemas.openxmlformats.org/markup-compatibility/2006" xmlns:a14="http://schemas.microsoft.com/office/drawing/2010/main">
+        <mc:Choice Requires="a14">
           <p:sp>
             <p:nvSpPr>
               <p:cNvPr id="124" name="正方形/長方形 123"/>
@@ -15386,7 +15377,7 @@
             </p:txBody>
           </p:sp>
         </mc:Choice>
-        <mc:Fallback>
+        <mc:Fallback xmlns="">
           <p:sp>
             <p:nvSpPr>
               <p:cNvPr id="124" name="正方形/長方形 123"/>
@@ -15425,8 +15416,8 @@
           </p:sp>
         </mc:Fallback>
       </mc:AlternateContent>
-      <mc:AlternateContent xmlns:mc="http://schemas.openxmlformats.org/markup-compatibility/2006">
-        <mc:Choice xmlns:a14="http://schemas.microsoft.com/office/drawing/2010/main" Requires="a14">
+      <mc:AlternateContent xmlns:mc="http://schemas.openxmlformats.org/markup-compatibility/2006" xmlns:a14="http://schemas.microsoft.com/office/drawing/2010/main">
+        <mc:Choice Requires="a14">
           <p:sp>
             <p:nvSpPr>
               <p:cNvPr id="125" name="正方形/長方形 124"/>
@@ -15488,7 +15479,7 @@
             </p:txBody>
           </p:sp>
         </mc:Choice>
-        <mc:Fallback>
+        <mc:Fallback xmlns="">
           <p:sp>
             <p:nvSpPr>
               <p:cNvPr id="125" name="正方形/長方形 124"/>
@@ -15538,7 +15529,7 @@
             <p:spPr>
               <a:xfrm>
                 <a:off x="5624121" y="741151"/>
-                <a:ext cx="2810524" cy="1882823"/>
+                <a:ext cx="2810524" cy="1981312"/>
               </a:xfrm>
               <a:prstGeom prst="rect">
                 <a:avLst/>
@@ -15640,7 +15631,7 @@
                   </m:oMath>
                 </a14:m>
                 <a:r>
-                  <a:rPr kumimoji="1" lang="en-US" altLang="ja-JP" sz="1400" b="0" dirty="0" smtClean="0"/>
+                  <a:rPr kumimoji="1" lang="en-US" altLang="ja-JP" sz="1400" b="0" dirty="0"/>
                   <a:t> </a:t>
                 </a:r>
               </a:p>
@@ -15734,12 +15725,12 @@
                   </m:oMath>
                 </a14:m>
                 <a:r>
-                  <a:rPr lang="en-US" altLang="ja-JP" sz="1400" dirty="0" smtClean="0"/>
+                  <a:rPr lang="en-US" altLang="ja-JP" sz="1400" dirty="0"/>
                   <a:t> </a:t>
                 </a:r>
               </a:p>
               <a:p>
-                <a:endParaRPr lang="en-US" altLang="ja-JP" sz="1400" dirty="0" smtClean="0"/>
+                <a:endParaRPr lang="en-US" altLang="ja-JP" sz="1400" dirty="0"/>
               </a:p>
               <a:p>
                 <a14:m>
@@ -15834,7 +15825,7 @@
                   </m:oMath>
                 </a14:m>
                 <a:r>
-                  <a:rPr lang="en-US" altLang="ja-JP" sz="1400" dirty="0" smtClean="0"/>
+                  <a:rPr lang="en-US" altLang="ja-JP" sz="1400" dirty="0"/>
                   <a:t> </a:t>
                 </a:r>
               </a:p>
@@ -15959,10 +15950,9 @@
                   </m:oMath>
                 </a14:m>
                 <a:r>
-                  <a:rPr lang="ja-JP" altLang="en-US" sz="1400" dirty="0" smtClean="0"/>
+                  <a:rPr lang="ja-JP" altLang="en-US" sz="1400" dirty="0"/>
                   <a:t> </a:t>
                 </a:r>
-                <a:endParaRPr lang="ja-JP" altLang="en-US" sz="1400" dirty="0"/>
               </a:p>
               <a:p>
                 <a14:m>
@@ -16085,135 +16075,108 @@
                   </m:oMath>
                 </a14:m>
                 <a:r>
-                  <a:rPr lang="ja-JP" altLang="en-US" sz="1400" dirty="0" smtClean="0"/>
+                  <a:rPr lang="ja-JP" altLang="en-US" sz="1400" dirty="0"/>
                   <a:t> </a:t>
                 </a:r>
-                <a:endParaRPr lang="ja-JP" altLang="en-US" sz="1400" dirty="0"/>
               </a:p>
               <a:p>
+                <a:pPr/>
                 <a14:m>
-                  <m:oMath xmlns:m="http://schemas.openxmlformats.org/officeDocument/2006/math">
-                    <m:sSub>
-                      <m:sSubPr>
-                        <m:ctrlPr>
-                          <a:rPr lang="en-US" altLang="ja-JP" sz="1400" i="1" smtClean="0">
-                            <a:latin typeface="Cambria Math" panose="02040503050406030204" pitchFamily="18" charset="0"/>
-                          </a:rPr>
-                        </m:ctrlPr>
-                      </m:sSubPr>
-                      <m:e>
-                        <m:sSub>
-                          <m:sSubPr>
-                            <m:ctrlPr>
-                              <a:rPr lang="en-US" altLang="ja-JP" sz="1400" b="0" i="1" smtClean="0">
-                                <a:latin typeface="Cambria Math" panose="02040503050406030204" pitchFamily="18" charset="0"/>
-                              </a:rPr>
-                            </m:ctrlPr>
-                          </m:sSubPr>
-                          <m:e>
-                            <m:r>
-                              <a:rPr lang="en-US" altLang="ja-JP" sz="1400" b="0" i="1" smtClean="0">
-                                <a:latin typeface="Cambria Math" panose="02040503050406030204" pitchFamily="18" charset="0"/>
-                              </a:rPr>
-                              <m:t>𝑧</m:t>
-                            </m:r>
-                          </m:e>
-                          <m:sub>
-                            <m:r>
-                              <a:rPr lang="en-US" altLang="ja-JP" sz="1400" b="0" i="1" smtClean="0">
-                                <a:latin typeface="Cambria Math" panose="02040503050406030204" pitchFamily="18" charset="0"/>
-                              </a:rPr>
-                              <m:t>+</m:t>
-                            </m:r>
-                          </m:sub>
-                        </m:sSub>
-                        <m:r>
-                          <a:rPr lang="en-US" altLang="ja-JP" sz="1400" b="0" i="1" smtClean="0">
-                            <a:latin typeface="Cambria Math" panose="02040503050406030204" pitchFamily="18" charset="0"/>
-                          </a:rPr>
-                          <m:t>=</m:t>
-                        </m:r>
-                        <m:f>
-                          <m:fPr>
-                            <m:ctrlPr>
-                              <a:rPr lang="en-US" altLang="ja-JP" sz="1400" b="0" i="1" smtClean="0">
-                                <a:latin typeface="Cambria Math" panose="02040503050406030204" pitchFamily="18" charset="0"/>
-                              </a:rPr>
-                            </m:ctrlPr>
-                          </m:fPr>
-                          <m:num>
-                            <m:r>
-                              <a:rPr lang="en-US" altLang="ja-JP" sz="1400" b="0" i="1" smtClean="0">
-                                <a:latin typeface="Cambria Math" panose="02040503050406030204" pitchFamily="18" charset="0"/>
-                              </a:rPr>
-                              <m:t>𝑙</m:t>
-                            </m:r>
-                          </m:num>
-                          <m:den>
-                            <m:r>
-                              <a:rPr lang="en-US" altLang="ja-JP" sz="1400" b="0" i="1" smtClean="0">
-                                <a:latin typeface="Cambria Math" panose="02040503050406030204" pitchFamily="18" charset="0"/>
-                              </a:rPr>
-                              <m:t>2</m:t>
-                            </m:r>
-                          </m:den>
-                        </m:f>
-                        <m:r>
-                          <a:rPr lang="en-US" altLang="ja-JP" sz="1400" b="0" i="1" smtClean="0">
-                            <a:latin typeface="Cambria Math" panose="02040503050406030204" pitchFamily="18" charset="0"/>
-                          </a:rPr>
-                          <m:t>−</m:t>
-                        </m:r>
-                        <m:r>
-                          <a:rPr lang="en-US" altLang="ja-JP" sz="1400" i="1">
-                            <a:latin typeface="Cambria Math" panose="02040503050406030204" pitchFamily="18" charset="0"/>
-                          </a:rPr>
-                          <m:t>𝑟</m:t>
-                        </m:r>
-                      </m:e>
-                      <m:sub>
-                        <m:r>
-                          <a:rPr lang="en-US" altLang="ja-JP" sz="1400" i="1">
-                            <a:latin typeface="Cambria Math" panose="02040503050406030204" pitchFamily="18" charset="0"/>
-                          </a:rPr>
-                          <m:t>0</m:t>
-                        </m:r>
-                      </m:sub>
-                    </m:sSub>
-                    <m:func>
-                      <m:funcPr>
-                        <m:ctrlPr>
-                          <a:rPr lang="en-US" altLang="ja-JP" sz="1400" i="1">
-                            <a:latin typeface="Cambria Math" panose="02040503050406030204" pitchFamily="18" charset="0"/>
-                          </a:rPr>
-                        </m:ctrlPr>
-                      </m:funcPr>
-                      <m:fName>
-                        <m:r>
-                          <m:rPr>
-                            <m:sty m:val="p"/>
-                          </m:rPr>
-                          <a:rPr lang="en-US" altLang="ja-JP" sz="1400">
-                            <a:latin typeface="Cambria Math" panose="02040503050406030204" pitchFamily="18" charset="0"/>
-                          </a:rPr>
-                          <m:t>sin</m:t>
-                        </m:r>
-                      </m:fName>
-                      <m:e>
-                        <m:r>
-                          <a:rPr lang="en-US" altLang="ja-JP" sz="1400" i="1">
-                            <a:latin typeface="Cambria Math" panose="02040503050406030204" pitchFamily="18" charset="0"/>
-                          </a:rPr>
-                          <m:t>𝜃</m:t>
-                        </m:r>
-                      </m:e>
-                    </m:func>
-                  </m:oMath>
+                  <m:oMathPara xmlns:m="http://schemas.openxmlformats.org/officeDocument/2006/math">
+                    <m:oMathParaPr>
+                      <m:jc m:val="left"/>
+                    </m:oMathParaPr>
+                    <m:oMath xmlns:m="http://schemas.openxmlformats.org/officeDocument/2006/math">
+                      <m:sSub>
+                        <m:sSubPr>
+                          <m:ctrlPr>
+                            <a:rPr lang="en-US" altLang="ja-JP" sz="1400" i="1" smtClean="0">
+                              <a:latin typeface="Cambria Math" panose="02040503050406030204" pitchFamily="18" charset="0"/>
+                            </a:rPr>
+                          </m:ctrlPr>
+                        </m:sSubPr>
+                        <m:e>
+                          <m:sSub>
+                            <m:sSubPr>
+                              <m:ctrlPr>
+                                <a:rPr lang="en-US" altLang="ja-JP" sz="1400" b="0" i="1" smtClean="0">
+                                  <a:latin typeface="Cambria Math" panose="02040503050406030204" pitchFamily="18" charset="0"/>
+                                </a:rPr>
+                              </m:ctrlPr>
+                            </m:sSubPr>
+                            <m:e>
+                              <m:r>
+                                <a:rPr lang="en-US" altLang="ja-JP" sz="1400" b="0" i="1" smtClean="0">
+                                  <a:latin typeface="Cambria Math" panose="02040503050406030204" pitchFamily="18" charset="0"/>
+                                </a:rPr>
+                                <m:t>𝑧</m:t>
+                              </m:r>
+                            </m:e>
+                            <m:sub>
+                              <m:r>
+                                <a:rPr lang="en-US" altLang="ja-JP" sz="1400" b="0" i="1" smtClean="0">
+                                  <a:latin typeface="Cambria Math" panose="02040503050406030204" pitchFamily="18" charset="0"/>
+                                </a:rPr>
+                                <m:t>+</m:t>
+                              </m:r>
+                            </m:sub>
+                          </m:sSub>
+                          <m:r>
+                            <a:rPr lang="en-US" altLang="ja-JP" sz="1400" b="0" i="1" smtClean="0">
+                              <a:latin typeface="Cambria Math" panose="02040503050406030204" pitchFamily="18" charset="0"/>
+                            </a:rPr>
+                            <m:t>=</m:t>
+                          </m:r>
+                          <m:f>
+                            <m:fPr>
+                              <m:ctrlPr>
+                                <a:rPr lang="en-US" altLang="ja-JP" sz="1400" b="0" i="1" smtClean="0">
+                                  <a:latin typeface="Cambria Math" panose="02040503050406030204" pitchFamily="18" charset="0"/>
+                                </a:rPr>
+                              </m:ctrlPr>
+                            </m:fPr>
+                            <m:num>
+                              <m:r>
+                                <a:rPr lang="en-US" altLang="ja-JP" sz="1400" b="0" i="1" smtClean="0">
+                                  <a:latin typeface="Cambria Math" panose="02040503050406030204" pitchFamily="18" charset="0"/>
+                                </a:rPr>
+                                <m:t>𝑙</m:t>
+                              </m:r>
+                            </m:num>
+                            <m:den>
+                              <m:r>
+                                <a:rPr lang="en-US" altLang="ja-JP" sz="1400" b="0" i="1" smtClean="0">
+                                  <a:latin typeface="Cambria Math" panose="02040503050406030204" pitchFamily="18" charset="0"/>
+                                </a:rPr>
+                                <m:t>2</m:t>
+                              </m:r>
+                            </m:den>
+                          </m:f>
+                          <m:r>
+                            <a:rPr lang="en-US" altLang="ja-JP" sz="1400" b="0" i="1" smtClean="0">
+                              <a:latin typeface="Cambria Math" panose="02040503050406030204" pitchFamily="18" charset="0"/>
+                            </a:rPr>
+                            <m:t>+</m:t>
+                          </m:r>
+                          <m:r>
+                            <a:rPr lang="en-US" altLang="ja-JP" sz="1400" i="1">
+                              <a:latin typeface="Cambria Math" panose="02040503050406030204" pitchFamily="18" charset="0"/>
+                            </a:rPr>
+                            <m:t>𝑟</m:t>
+                          </m:r>
+                        </m:e>
+                        <m:sub>
+                          <m:r>
+                            <a:rPr lang="en-US" altLang="ja-JP" sz="1400" b="0" i="1" smtClean="0">
+                              <a:latin typeface="Cambria Math" panose="02040503050406030204" pitchFamily="18" charset="0"/>
+                            </a:rPr>
+                            <m:t>1</m:t>
+                          </m:r>
+                        </m:sub>
+                      </m:sSub>
+                    </m:oMath>
+                  </m:oMathPara>
                 </a14:m>
-                <a:r>
-                  <a:rPr lang="ja-JP" altLang="en-US" sz="1400" dirty="0" smtClean="0"/>
-                  <a:t> </a:t>
-                </a:r>
                 <a:endParaRPr lang="ja-JP" altLang="en-US" sz="1400" dirty="0"/>
               </a:p>
             </p:txBody>
@@ -16231,7 +16194,7 @@
             <p:spPr>
               <a:xfrm>
                 <a:off x="5624121" y="741151"/>
-                <a:ext cx="2810524" cy="1882823"/>
+                <a:ext cx="2810524" cy="1981312"/>
               </a:xfrm>
               <a:prstGeom prst="rect">
                 <a:avLst/>
@@ -16239,7 +16202,7 @@
               <a:blipFill>
                 <a:blip r:embed="rId19"/>
                 <a:stretch>
-                  <a:fillRect l="-1735" b="-1623"/>
+                  <a:fillRect l="-1735" b="-1846"/>
                 </a:stretch>
               </a:blipFill>
             </p:spPr>
@@ -16274,7 +16237,7 @@
           <a:lstStyle/>
           <a:p>
             <a:r>
-              <a:rPr kumimoji="1" lang="en-US" altLang="ja-JP" dirty="0" smtClean="0"/>
+              <a:rPr kumimoji="1" lang="en-US" altLang="ja-JP" dirty="0"/>
               <a:t>Volume, center of mass, inertia</a:t>
             </a:r>
             <a:endParaRPr kumimoji="1" lang="ja-JP" altLang="en-US" dirty="0"/>
